--- a/task/exp2/instructions/instructions.pptx
+++ b/task/exp2/instructions/instructions.pptx
@@ -224,7 +224,7 @@
           <a:p>
             <a:fld id="{A02CBB34-1F17-464D-BD6F-7E997A8F68CE}" type="datetimeFigureOut">
               <a:rPr lang="en-US" smtClean="0"/>
-              <a:t>3/17/22</a:t>
+              <a:t>4/7/22</a:t>
             </a:fld>
             <a:endParaRPr lang="en-US"/>
           </a:p>
@@ -1604,7 +1604,7 @@
           <a:p>
             <a:fld id="{D1E8CC6E-2D3E-8844-BB9A-96DF1A38A33F}" type="datetimeFigureOut">
               <a:rPr lang="en-US" smtClean="0"/>
-              <a:t>3/17/22</a:t>
+              <a:t>4/7/22</a:t>
             </a:fld>
             <a:endParaRPr lang="en-US"/>
           </a:p>
@@ -1802,7 +1802,7 @@
           <a:p>
             <a:fld id="{D1E8CC6E-2D3E-8844-BB9A-96DF1A38A33F}" type="datetimeFigureOut">
               <a:rPr lang="en-US" smtClean="0"/>
-              <a:t>3/17/22</a:t>
+              <a:t>4/7/22</a:t>
             </a:fld>
             <a:endParaRPr lang="en-US"/>
           </a:p>
@@ -2010,7 +2010,7 @@
           <a:p>
             <a:fld id="{D1E8CC6E-2D3E-8844-BB9A-96DF1A38A33F}" type="datetimeFigureOut">
               <a:rPr lang="en-US" smtClean="0"/>
-              <a:t>3/17/22</a:t>
+              <a:t>4/7/22</a:t>
             </a:fld>
             <a:endParaRPr lang="en-US"/>
           </a:p>
@@ -2208,7 +2208,7 @@
           <a:p>
             <a:fld id="{D1E8CC6E-2D3E-8844-BB9A-96DF1A38A33F}" type="datetimeFigureOut">
               <a:rPr lang="en-US" smtClean="0"/>
-              <a:t>3/17/22</a:t>
+              <a:t>4/7/22</a:t>
             </a:fld>
             <a:endParaRPr lang="en-US"/>
           </a:p>
@@ -2483,7 +2483,7 @@
           <a:p>
             <a:fld id="{D1E8CC6E-2D3E-8844-BB9A-96DF1A38A33F}" type="datetimeFigureOut">
               <a:rPr lang="en-US" smtClean="0"/>
-              <a:t>3/17/22</a:t>
+              <a:t>4/7/22</a:t>
             </a:fld>
             <a:endParaRPr lang="en-US"/>
           </a:p>
@@ -2748,7 +2748,7 @@
           <a:p>
             <a:fld id="{D1E8CC6E-2D3E-8844-BB9A-96DF1A38A33F}" type="datetimeFigureOut">
               <a:rPr lang="en-US" smtClean="0"/>
-              <a:t>3/17/22</a:t>
+              <a:t>4/7/22</a:t>
             </a:fld>
             <a:endParaRPr lang="en-US"/>
           </a:p>
@@ -3160,7 +3160,7 @@
           <a:p>
             <a:fld id="{D1E8CC6E-2D3E-8844-BB9A-96DF1A38A33F}" type="datetimeFigureOut">
               <a:rPr lang="en-US" smtClean="0"/>
-              <a:t>3/17/22</a:t>
+              <a:t>4/7/22</a:t>
             </a:fld>
             <a:endParaRPr lang="en-US"/>
           </a:p>
@@ -3301,7 +3301,7 @@
           <a:p>
             <a:fld id="{D1E8CC6E-2D3E-8844-BB9A-96DF1A38A33F}" type="datetimeFigureOut">
               <a:rPr lang="en-US" smtClean="0"/>
-              <a:t>3/17/22</a:t>
+              <a:t>4/7/22</a:t>
             </a:fld>
             <a:endParaRPr lang="en-US"/>
           </a:p>
@@ -3414,7 +3414,7 @@
           <a:p>
             <a:fld id="{D1E8CC6E-2D3E-8844-BB9A-96DF1A38A33F}" type="datetimeFigureOut">
               <a:rPr lang="en-US" smtClean="0"/>
-              <a:t>3/17/22</a:t>
+              <a:t>4/7/22</a:t>
             </a:fld>
             <a:endParaRPr lang="en-US"/>
           </a:p>
@@ -3725,7 +3725,7 @@
           <a:p>
             <a:fld id="{D1E8CC6E-2D3E-8844-BB9A-96DF1A38A33F}" type="datetimeFigureOut">
               <a:rPr lang="en-US" smtClean="0"/>
-              <a:t>3/17/22</a:t>
+              <a:t>4/7/22</a:t>
             </a:fld>
             <a:endParaRPr lang="en-US"/>
           </a:p>
@@ -4013,7 +4013,7 @@
           <a:p>
             <a:fld id="{D1E8CC6E-2D3E-8844-BB9A-96DF1A38A33F}" type="datetimeFigureOut">
               <a:rPr lang="en-US" smtClean="0"/>
-              <a:t>3/17/22</a:t>
+              <a:t>4/7/22</a:t>
             </a:fld>
             <a:endParaRPr lang="en-US"/>
           </a:p>
@@ -4254,7 +4254,7 @@
           <a:p>
             <a:fld id="{D1E8CC6E-2D3E-8844-BB9A-96DF1A38A33F}" type="datetimeFigureOut">
               <a:rPr lang="en-US" smtClean="0"/>
-              <a:t>3/17/22</a:t>
+              <a:t>4/7/22</a:t>
             </a:fld>
             <a:endParaRPr lang="en-US"/>
           </a:p>
@@ -9642,7 +9642,7 @@
         <p:spPr>
           <a:xfrm>
             <a:off x="1004000" y="634333"/>
-            <a:ext cx="10184000" cy="3200836"/>
+            <a:ext cx="10184000" cy="4308831"/>
           </a:xfrm>
           <a:prstGeom prst="rect">
             <a:avLst/>
@@ -9663,6 +9663,26 @@
               <a:rPr lang="en-CA" sz="2400" dirty="0"/>
               <a:t>These are all the instructions for today. </a:t>
             </a:r>
+          </a:p>
+          <a:p>
+            <a:pPr lvl="0" algn="ctr"/>
+            <a:endParaRPr lang="en-CA" sz="2400" dirty="0"/>
+          </a:p>
+          <a:p>
+            <a:pPr lvl="0" algn="ctr"/>
+            <a:r>
+              <a:rPr lang="en-CA" sz="2400" b="1" u="sng" dirty="0"/>
+              <a:t>PLEASE NOTIFY YOUR EXPERIMENTER THAT YOU ARE NOW READING THIS.</a:t>
+            </a:r>
+            <a:r>
+              <a:rPr lang="en-CA" sz="2400" dirty="0"/>
+              <a:t> They will have </a:t>
+            </a:r>
+            <a:r>
+              <a:rPr lang="en-CA" sz="2400"/>
+              <a:t>some questions for you.</a:t>
+            </a:r>
+            <a:endParaRPr lang="en-CA" sz="2400" b="1" u="sng" dirty="0"/>
           </a:p>
           <a:p>
             <a:pPr lvl="0" algn="ctr"/>
